--- a/presentations/Big Data Analytic Software - CS460 Pod Presentation.pptx
+++ b/presentations/Big Data Analytic Software - CS460 Pod Presentation.pptx
@@ -40,16 +40,17 @@
     <p:embeddedFont>
       <p:font typeface="Nunito Light" panose="020F0302020204030204" pitchFamily="34" charset="0"/>
       <p:regular r:id="rId25"/>
+      <p:italic r:id="rId26"/>
     </p:embeddedFont>
     <p:embeddedFont>
       <p:font typeface="Outfit" pitchFamily="2" charset="0"/>
-      <p:regular r:id="rId26"/>
-      <p:bold r:id="rId27"/>
+      <p:regular r:id="rId27"/>
+      <p:bold r:id="rId28"/>
     </p:embeddedFont>
     <p:embeddedFont>
       <p:font typeface="Outfit Light" pitchFamily="2" charset="0"/>
-      <p:regular r:id="rId28"/>
-      <p:bold r:id="rId29"/>
+      <p:regular r:id="rId29"/>
+      <p:bold r:id="rId30"/>
     </p:embeddedFont>
   </p:embeddedFontLst>
   <p:defaultTextStyle>
@@ -874,7 +875,7 @@
         </p:nvSpPr>
         <p:spPr>
           <a:xfrm>
-            <a:off x="381300" y="685800"/>
+            <a:off x="381000" y="685800"/>
             <a:ext cx="6096000" cy="3429000"/>
           </a:xfrm>
           <a:custGeom>
@@ -1290,7 +1291,7 @@
         </p:nvSpPr>
         <p:spPr>
           <a:xfrm>
-            <a:off x="381300" y="685800"/>
+            <a:off x="381000" y="685800"/>
             <a:ext cx="6096000" cy="3429000"/>
           </a:xfrm>
           <a:custGeom>
@@ -1914,7 +1915,7 @@
         </p:nvSpPr>
         <p:spPr>
           <a:xfrm>
-            <a:off x="381300" y="685800"/>
+            <a:off x="381000" y="685800"/>
             <a:ext cx="6096000" cy="3429000"/>
           </a:xfrm>
           <a:custGeom>
@@ -2330,7 +2331,7 @@
         </p:nvSpPr>
         <p:spPr>
           <a:xfrm>
-            <a:off x="381300" y="685800"/>
+            <a:off x="381000" y="685800"/>
             <a:ext cx="6096000" cy="3429000"/>
           </a:xfrm>
           <a:custGeom>
@@ -41159,48 +41160,6 @@
             <a:r>
               <a:rPr lang="en"/>
               <a:t>03</a:t>
-            </a:r>
-            <a:endParaRPr/>
-          </a:p>
-        </p:txBody>
-      </p:sp>
-      <p:sp>
-        <p:nvSpPr>
-          <p:cNvPr id="555" name="Google Shape;555;p54"/>
-          <p:cNvSpPr txBox="1">
-            <a:spLocks noGrp="1"/>
-          </p:cNvSpPr>
-          <p:nvPr>
-            <p:ph type="subTitle" idx="1"/>
-          </p:nvPr>
-        </p:nvSpPr>
-        <p:spPr>
-          <a:xfrm>
-            <a:off x="713225" y="3300150"/>
-            <a:ext cx="4344300" cy="375000"/>
-          </a:xfrm>
-          <a:prstGeom prst="rect">
-            <a:avLst/>
-          </a:prstGeom>
-        </p:spPr>
-        <p:txBody>
-          <a:bodyPr spcFirstLastPara="1" wrap="square" lIns="91425" tIns="91425" rIns="91425" bIns="91425" anchor="t" anchorCtr="0">
-            <a:noAutofit/>
-          </a:bodyPr>
-          <a:lstStyle/>
-          <a:p>
-            <a:pPr marL="0" lvl="0" indent="0" algn="l" rtl="0">
-              <a:spcBef>
-                <a:spcPts val="0"/>
-              </a:spcBef>
-              <a:spcAft>
-                <a:spcPts val="0"/>
-              </a:spcAft>
-              <a:buNone/>
-            </a:pPr>
-            <a:r>
-              <a:rPr lang="en"/>
-              <a:t>You can enter a subtitle here if you need it</a:t>
             </a:r>
             <a:endParaRPr/>
           </a:p>
@@ -46791,48 +46750,6 @@
           </a:p>
         </p:txBody>
       </p:sp>
-      <p:sp>
-        <p:nvSpPr>
-          <p:cNvPr id="625" name="Google Shape;625;p58"/>
-          <p:cNvSpPr txBox="1">
-            <a:spLocks noGrp="1"/>
-          </p:cNvSpPr>
-          <p:nvPr>
-            <p:ph type="subTitle" idx="1"/>
-          </p:nvPr>
-        </p:nvSpPr>
-        <p:spPr>
-          <a:xfrm>
-            <a:off x="713225" y="3300150"/>
-            <a:ext cx="4344300" cy="375000"/>
-          </a:xfrm>
-          <a:prstGeom prst="rect">
-            <a:avLst/>
-          </a:prstGeom>
-        </p:spPr>
-        <p:txBody>
-          <a:bodyPr spcFirstLastPara="1" wrap="square" lIns="91425" tIns="91425" rIns="91425" bIns="91425" anchor="t" anchorCtr="0">
-            <a:noAutofit/>
-          </a:bodyPr>
-          <a:lstStyle/>
-          <a:p>
-            <a:pPr marL="0" lvl="0" indent="0" algn="l" rtl="0">
-              <a:spcBef>
-                <a:spcPts val="0"/>
-              </a:spcBef>
-              <a:spcAft>
-                <a:spcPts val="0"/>
-              </a:spcAft>
-              <a:buNone/>
-            </a:pPr>
-            <a:r>
-              <a:rPr lang="en"/>
-              <a:t>You can enter a subtitle here if you need it</a:t>
-            </a:r>
-            <a:endParaRPr/>
-          </a:p>
-        </p:txBody>
-      </p:sp>
       <p:grpSp>
         <p:nvGrpSpPr>
           <p:cNvPr id="626" name="Google Shape;626;p58"/>
@@ -52198,10 +52115,10 @@
               <a:buNone/>
             </a:pPr>
             <a:r>
-              <a:rPr lang="en"/>
-              <a:t>You can describe the topic of the section here</a:t>
+              <a:rPr lang="en" dirty="0"/>
+              <a:t>Big Data’s prevalence in the industry</a:t>
             </a:r>
-            <a:endParaRPr sz="1600">
+            <a:endParaRPr sz="1600" dirty="0">
               <a:solidFill>
                 <a:srgbClr val="666666"/>
               </a:solidFill>
@@ -52221,8 +52138,8 @@
         </p:nvSpPr>
         <p:spPr>
           <a:xfrm>
-            <a:off x="720000" y="2178493"/>
-            <a:ext cx="2305500" cy="572700"/>
+            <a:off x="644056" y="2178493"/>
+            <a:ext cx="2381444" cy="572700"/>
           </a:xfrm>
           <a:prstGeom prst="rect">
             <a:avLst/>
@@ -52244,10 +52161,10 @@
               <a:buNone/>
             </a:pPr>
             <a:r>
-              <a:rPr lang="en"/>
-              <a:t>You can describe the topic of the section here</a:t>
+              <a:rPr lang="en-US" dirty="0"/>
+              <a:t>Overview of Big Data tools and their advantages</a:t>
             </a:r>
-            <a:endParaRPr/>
+            <a:endParaRPr dirty="0"/>
           </a:p>
         </p:txBody>
       </p:sp>
@@ -52286,10 +52203,10 @@
               <a:buNone/>
             </a:pPr>
             <a:r>
-              <a:rPr lang="en"/>
-              <a:t>You can describe the topic of the section here</a:t>
+              <a:rPr lang="en" dirty="0"/>
+              <a:t>How did Big Data tools originate</a:t>
             </a:r>
-            <a:endParaRPr/>
+            <a:endParaRPr dirty="0"/>
           </a:p>
         </p:txBody>
       </p:sp>
@@ -52328,10 +52245,10 @@
               <a:buNone/>
             </a:pPr>
             <a:r>
-              <a:rPr lang="en"/>
-              <a:t>You can describe the topic of the section here</a:t>
+              <a:rPr lang="en" dirty="0"/>
+              <a:t>What we recommend</a:t>
             </a:r>
-            <a:endParaRPr/>
+            <a:endParaRPr dirty="0"/>
           </a:p>
         </p:txBody>
       </p:sp>
@@ -52370,10 +52287,10 @@
               <a:buNone/>
             </a:pPr>
             <a:r>
-              <a:rPr lang="en"/>
-              <a:t>You can describe the topic of the section here</a:t>
+              <a:rPr lang="en" dirty="0"/>
+              <a:t>Benchmark of industry options</a:t>
             </a:r>
-            <a:endParaRPr/>
+            <a:endParaRPr dirty="0"/>
           </a:p>
         </p:txBody>
       </p:sp>
@@ -52412,10 +52329,10 @@
               <a:buNone/>
             </a:pPr>
             <a:r>
-              <a:rPr lang="en"/>
-              <a:t>You can describe the topic of the section here</a:t>
+              <a:rPr lang="en" dirty="0"/>
+              <a:t>Questions and Answers</a:t>
             </a:r>
-            <a:endParaRPr/>
+            <a:endParaRPr dirty="0"/>
           </a:p>
         </p:txBody>
       </p:sp>
@@ -52916,10 +52833,10 @@
               <a:buNone/>
             </a:pPr>
             <a:r>
-              <a:rPr lang="en"/>
+              <a:rPr lang="en" dirty="0" err="1"/>
               <a:t>QnA</a:t>
             </a:r>
-            <a:endParaRPr/>
+            <a:endParaRPr dirty="0"/>
           </a:p>
         </p:txBody>
       </p:sp>
@@ -53027,48 +52944,6 @@
             <a:r>
               <a:rPr lang="en"/>
               <a:t>01</a:t>
-            </a:r>
-            <a:endParaRPr/>
-          </a:p>
-        </p:txBody>
-      </p:sp>
-      <p:sp>
-        <p:nvSpPr>
-          <p:cNvPr id="453" name="Google Shape;453;p48"/>
-          <p:cNvSpPr txBox="1">
-            <a:spLocks noGrp="1"/>
-          </p:cNvSpPr>
-          <p:nvPr>
-            <p:ph type="subTitle" idx="1"/>
-          </p:nvPr>
-        </p:nvSpPr>
-        <p:spPr>
-          <a:xfrm>
-            <a:off x="713225" y="3300150"/>
-            <a:ext cx="4344300" cy="375000"/>
-          </a:xfrm>
-          <a:prstGeom prst="rect">
-            <a:avLst/>
-          </a:prstGeom>
-        </p:spPr>
-        <p:txBody>
-          <a:bodyPr spcFirstLastPara="1" wrap="square" lIns="91425" tIns="91425" rIns="91425" bIns="91425" anchor="t" anchorCtr="0">
-            <a:noAutofit/>
-          </a:bodyPr>
-          <a:lstStyle/>
-          <a:p>
-            <a:pPr marL="0" lvl="0" indent="0" algn="l" rtl="0">
-              <a:spcBef>
-                <a:spcPts val="0"/>
-              </a:spcBef>
-              <a:spcAft>
-                <a:spcPts val="0"/>
-              </a:spcAft>
-              <a:buNone/>
-            </a:pPr>
-            <a:r>
-              <a:rPr lang="en"/>
-              <a:t>You can enter a subtitle here if you need it</a:t>
             </a:r>
             <a:endParaRPr/>
           </a:p>
@@ -57824,48 +57699,6 @@
             <a:r>
               <a:rPr lang="en"/>
               <a:t>02</a:t>
-            </a:r>
-            <a:endParaRPr/>
-          </a:p>
-        </p:txBody>
-      </p:sp>
-      <p:sp>
-        <p:nvSpPr>
-          <p:cNvPr id="518" name="Google Shape;518;p52"/>
-          <p:cNvSpPr txBox="1">
-            <a:spLocks noGrp="1"/>
-          </p:cNvSpPr>
-          <p:nvPr>
-            <p:ph type="subTitle" idx="1"/>
-          </p:nvPr>
-        </p:nvSpPr>
-        <p:spPr>
-          <a:xfrm>
-            <a:off x="713225" y="3300150"/>
-            <a:ext cx="4344300" cy="375000"/>
-          </a:xfrm>
-          <a:prstGeom prst="rect">
-            <a:avLst/>
-          </a:prstGeom>
-        </p:spPr>
-        <p:txBody>
-          <a:bodyPr spcFirstLastPara="1" wrap="square" lIns="91425" tIns="91425" rIns="91425" bIns="91425" anchor="t" anchorCtr="0">
-            <a:noAutofit/>
-          </a:bodyPr>
-          <a:lstStyle/>
-          <a:p>
-            <a:pPr marL="0" lvl="0" indent="0" algn="l" rtl="0">
-              <a:spcBef>
-                <a:spcPts val="0"/>
-              </a:spcBef>
-              <a:spcAft>
-                <a:spcPts val="0"/>
-              </a:spcAft>
-              <a:buNone/>
-            </a:pPr>
-            <a:r>
-              <a:rPr lang="en"/>
-              <a:t>You can enter a subtitle here if you need it</a:t>
             </a:r>
             <a:endParaRPr/>
           </a:p>
